--- a/翻转课堂/翻转课堂2v0.0.1.pptx
+++ b/翻转课堂/翻转课堂2v0.0.1.pptx
@@ -4436,6 +4436,22 @@
       </pc:sldMasterChg>
     </pc:docChg>
   </pc:docChgLst>
+  <pc:docChgLst>
+    <pc:chgData name="邹 雨哲" userId="e28be67ac78edb3b" providerId="LiveId" clId="{173CE298-AAF4-43A0-8953-A9131BC55C88}"/>
+    <pc:docChg chg="modSld">
+      <pc:chgData name="邹 雨哲" userId="e28be67ac78edb3b" providerId="LiveId" clId="{173CE298-AAF4-43A0-8953-A9131BC55C88}" dt="2022-12-11T06:13:36.110" v="2"/>
+      <pc:docMkLst>
+        <pc:docMk/>
+      </pc:docMkLst>
+      <pc:sldChg chg="modTransition">
+        <pc:chgData name="邹 雨哲" userId="e28be67ac78edb3b" providerId="LiveId" clId="{173CE298-AAF4-43A0-8953-A9131BC55C88}" dt="2022-12-11T06:13:36.110" v="2"/>
+        <pc:sldMkLst>
+          <pc:docMk/>
+          <pc:sldMk cId="0" sldId="297"/>
+        </pc:sldMkLst>
+      </pc:sldChg>
+    </pc:docChg>
+  </pc:docChgLst>
 </pc:chgInfo>
 </file>
 
@@ -4521,7 +4537,7 @@
           <a:p>
             <a:fld id="{0F9B84EA-7D68-4D60-9CB1-D50884785D1C}" type="datetimeFigureOut">
               <a:rPr lang="zh-CN" altLang="en-US" smtClean="0"/>
-              <a:t>2022/12/4</a:t>
+              <a:t>2022/12/11</a:t>
             </a:fld>
             <a:endParaRPr lang="zh-CN" altLang="en-US"/>
           </a:p>
@@ -4686,7 +4702,7 @@
           <a:p>
             <a:fld id="{9012C8C0-A3D3-487B-AECC-CB6663EAE28D}" type="datetimeFigureOut">
               <a:rPr lang="zh-CN" altLang="en-US" smtClean="0"/>
-              <a:t>2022/12/4</a:t>
+              <a:t>2022/12/11</a:t>
             </a:fld>
             <a:endParaRPr lang="zh-CN" altLang="en-US"/>
           </a:p>
@@ -8794,7 +8810,7 @@
                   </a:prstClr>
                 </a:solidFill>
               </a:rPr>
-              <a:t>12/4/2022</a:t>
+              <a:t>12/11/2022</a:t>
             </a:fld>
             <a:endParaRPr lang="en-US" dirty="0">
               <a:solidFill>
@@ -9113,7 +9129,7 @@
                   </a:prstClr>
                 </a:solidFill>
               </a:rPr>
-              <a:t>12/4/2022</a:t>
+              <a:t>12/11/2022</a:t>
             </a:fld>
             <a:endParaRPr lang="en-US" dirty="0">
               <a:solidFill>
@@ -9355,7 +9371,7 @@
                   </a:prstClr>
                 </a:solidFill>
               </a:rPr>
-              <a:t>12/4/2022</a:t>
+              <a:t>12/11/2022</a:t>
             </a:fld>
             <a:endParaRPr lang="en-US" dirty="0">
               <a:solidFill>
@@ -9597,7 +9613,7 @@
                   </a:prstClr>
                 </a:solidFill>
               </a:rPr>
-              <a:t>12/4/2022</a:t>
+              <a:t>12/11/2022</a:t>
             </a:fld>
             <a:endParaRPr lang="en-US" dirty="0">
               <a:solidFill>
@@ -9864,7 +9880,7 @@
                   </a:prstClr>
                 </a:solidFill>
               </a:rPr>
-              <a:t>12/4/2022</a:t>
+              <a:t>12/11/2022</a:t>
             </a:fld>
             <a:endParaRPr lang="en-US" dirty="0">
               <a:solidFill>
@@ -10173,7 +10189,7 @@
                   </a:prstClr>
                 </a:solidFill>
               </a:rPr>
-              <a:t>12/4/2022</a:t>
+              <a:t>12/11/2022</a:t>
             </a:fld>
             <a:endParaRPr lang="en-US" dirty="0">
               <a:solidFill>
@@ -10530,7 +10546,7 @@
                   </a:prstClr>
                 </a:solidFill>
               </a:rPr>
-              <a:t>12/4/2022</a:t>
+              <a:t>12/11/2022</a:t>
             </a:fld>
             <a:endParaRPr lang="en-US" dirty="0">
               <a:solidFill>
@@ -11027,7 +11043,7 @@
                   </a:prstClr>
                 </a:solidFill>
               </a:rPr>
-              <a:t>12/4/2022</a:t>
+              <a:t>12/11/2022</a:t>
             </a:fld>
             <a:endParaRPr lang="en-US" dirty="0">
               <a:solidFill>
@@ -11770,7 +11786,7 @@
                   </a:prstClr>
                 </a:solidFill>
               </a:rPr>
-              <a:t>12/4/2022</a:t>
+              <a:t>12/11/2022</a:t>
             </a:fld>
             <a:endParaRPr lang="en-US" dirty="0">
               <a:solidFill>
@@ -12095,7 +12111,7 @@
                   </a:prstClr>
                 </a:solidFill>
               </a:rPr>
-              <a:t>12/4/2022</a:t>
+              <a:t>12/11/2022</a:t>
             </a:fld>
             <a:endParaRPr lang="en-US" dirty="0">
               <a:solidFill>
@@ -12432,7 +12448,7 @@
                   </a:prstClr>
                 </a:solidFill>
               </a:rPr>
-              <a:t>12/4/2022</a:t>
+              <a:t>12/11/2022</a:t>
             </a:fld>
             <a:endParaRPr lang="en-US" dirty="0">
               <a:solidFill>
@@ -13573,7 +13589,7 @@
   <p:clrMapOvr>
     <a:masterClrMapping/>
   </p:clrMapOvr>
-  <p:transition spd="slow" advClick="0" advTm="1000">
+  <p:transition spd="med">
     <p:blinds dir="vert"/>
   </p:transition>
 </p:sld>
